--- a/2022Nov11_IntroToSeuratWorkshop_QNN/2022Nov11_IntroToSeuratWorkshop_QNN.pptx
+++ b/2022Nov11_IntroToSeuratWorkshop_QNN/2022Nov11_IntroToSeuratWorkshop_QNN.pptx
@@ -203,7 +203,7 @@
           <a:p>
             <a:fld id="{1B6E4DC7-6B36-724F-B33C-F92B8BD644E4}" type="datetimeFigureOut">
               <a:rPr lang="en-US" smtClean="0"/>
-              <a:t>11/10/22</a:t>
+              <a:t>11/11/22</a:t>
             </a:fld>
             <a:endParaRPr lang="en-US"/>
           </a:p>
@@ -2738,7 +2738,7 @@
           <a:p>
             <a:fld id="{17CD738D-6092-3749-ACF8-102458D2B925}" type="datetimeFigureOut">
               <a:rPr lang="en-US" smtClean="0"/>
-              <a:t>11/10/22</a:t>
+              <a:t>11/11/22</a:t>
             </a:fld>
             <a:endParaRPr lang="en-US"/>
           </a:p>
@@ -2938,7 +2938,7 @@
           <a:p>
             <a:fld id="{17CD738D-6092-3749-ACF8-102458D2B925}" type="datetimeFigureOut">
               <a:rPr lang="en-US" smtClean="0"/>
-              <a:t>11/10/22</a:t>
+              <a:t>11/11/22</a:t>
             </a:fld>
             <a:endParaRPr lang="en-US"/>
           </a:p>
@@ -3148,7 +3148,7 @@
           <a:p>
             <a:fld id="{17CD738D-6092-3749-ACF8-102458D2B925}" type="datetimeFigureOut">
               <a:rPr lang="en-US" smtClean="0"/>
-              <a:t>11/10/22</a:t>
+              <a:t>11/11/22</a:t>
             </a:fld>
             <a:endParaRPr lang="en-US"/>
           </a:p>
@@ -3348,7 +3348,7 @@
           <a:p>
             <a:fld id="{17CD738D-6092-3749-ACF8-102458D2B925}" type="datetimeFigureOut">
               <a:rPr lang="en-US" smtClean="0"/>
-              <a:t>11/10/22</a:t>
+              <a:t>11/11/22</a:t>
             </a:fld>
             <a:endParaRPr lang="en-US"/>
           </a:p>
@@ -3624,7 +3624,7 @@
           <a:p>
             <a:fld id="{17CD738D-6092-3749-ACF8-102458D2B925}" type="datetimeFigureOut">
               <a:rPr lang="en-US" smtClean="0"/>
-              <a:t>11/10/22</a:t>
+              <a:t>11/11/22</a:t>
             </a:fld>
             <a:endParaRPr lang="en-US"/>
           </a:p>
@@ -3892,7 +3892,7 @@
           <a:p>
             <a:fld id="{17CD738D-6092-3749-ACF8-102458D2B925}" type="datetimeFigureOut">
               <a:rPr lang="en-US" smtClean="0"/>
-              <a:t>11/10/22</a:t>
+              <a:t>11/11/22</a:t>
             </a:fld>
             <a:endParaRPr lang="en-US"/>
           </a:p>
@@ -4307,7 +4307,7 @@
           <a:p>
             <a:fld id="{17CD738D-6092-3749-ACF8-102458D2B925}" type="datetimeFigureOut">
               <a:rPr lang="en-US" smtClean="0"/>
-              <a:t>11/10/22</a:t>
+              <a:t>11/11/22</a:t>
             </a:fld>
             <a:endParaRPr lang="en-US"/>
           </a:p>
@@ -4449,7 +4449,7 @@
           <a:p>
             <a:fld id="{17CD738D-6092-3749-ACF8-102458D2B925}" type="datetimeFigureOut">
               <a:rPr lang="en-US" smtClean="0"/>
-              <a:t>11/10/22</a:t>
+              <a:t>11/11/22</a:t>
             </a:fld>
             <a:endParaRPr lang="en-US"/>
           </a:p>
@@ -4562,7 +4562,7 @@
           <a:p>
             <a:fld id="{17CD738D-6092-3749-ACF8-102458D2B925}" type="datetimeFigureOut">
               <a:rPr lang="en-US" smtClean="0"/>
-              <a:t>11/10/22</a:t>
+              <a:t>11/11/22</a:t>
             </a:fld>
             <a:endParaRPr lang="en-US"/>
           </a:p>
@@ -4875,7 +4875,7 @@
           <a:p>
             <a:fld id="{17CD738D-6092-3749-ACF8-102458D2B925}" type="datetimeFigureOut">
               <a:rPr lang="en-US" smtClean="0"/>
-              <a:t>11/10/22</a:t>
+              <a:t>11/11/22</a:t>
             </a:fld>
             <a:endParaRPr lang="en-US"/>
           </a:p>
@@ -5164,7 +5164,7 @@
           <a:p>
             <a:fld id="{17CD738D-6092-3749-ACF8-102458D2B925}" type="datetimeFigureOut">
               <a:rPr lang="en-US" smtClean="0"/>
-              <a:t>11/10/22</a:t>
+              <a:t>11/11/22</a:t>
             </a:fld>
             <a:endParaRPr lang="en-US"/>
           </a:p>
@@ -5407,7 +5407,7 @@
           <a:p>
             <a:fld id="{17CD738D-6092-3749-ACF8-102458D2B925}" type="datetimeFigureOut">
               <a:rPr lang="en-US" smtClean="0"/>
-              <a:t>11/10/22</a:t>
+              <a:t>11/11/22</a:t>
             </a:fld>
             <a:endParaRPr lang="en-US"/>
           </a:p>
@@ -9349,8 +9349,8 @@
         </p:nvSpPr>
         <p:spPr>
           <a:xfrm>
-            <a:off x="4631722" y="2763886"/>
-            <a:ext cx="2928555" cy="369332"/>
+            <a:off x="1658912" y="3018719"/>
+            <a:ext cx="8874176" cy="1200329"/>
           </a:xfrm>
           <a:prstGeom prst="rect">
             <a:avLst/>
@@ -9369,7 +9369,22 @@
                 <a:latin typeface="Arial" panose="020B0604020202020204" pitchFamily="34" charset="0"/>
                 <a:cs typeface="Arial" panose="020B0604020202020204" pitchFamily="34" charset="0"/>
               </a:rPr>
-              <a:t>Open R notebook: </a:t>
+              <a:t>Download and open R notebook: </a:t>
+            </a:r>
+            <a:r>
+              <a:rPr lang="en-US" b="1" dirty="0">
+                <a:latin typeface="Arial" panose="020B0604020202020204" pitchFamily="34" charset="0"/>
+                <a:cs typeface="Arial" panose="020B0604020202020204" pitchFamily="34" charset="0"/>
+                <a:hlinkClick r:id="rId2"/>
+              </a:rPr>
+              <a:t>https://github.com/denvercal1234GitHub/learntoRfromNothing/blob/043c9af5500d7d7bf09676f4c9e0c7e07177a834/2022Nov11_IntroToSeuratWorkshop_QNN/2022Nov11_IntroToSeuratWorkshop_QNN.Rmd</a:t>
+            </a:r>
+            <a:r>
+              <a:rPr lang="en-US" b="1" dirty="0">
+                <a:latin typeface="Arial" panose="020B0604020202020204" pitchFamily="34" charset="0"/>
+                <a:cs typeface="Arial" panose="020B0604020202020204" pitchFamily="34" charset="0"/>
+              </a:rPr>
+              <a:t> </a:t>
             </a:r>
           </a:p>
         </p:txBody>
@@ -9418,7 +9433,7 @@
         </p:nvSpPr>
         <p:spPr>
           <a:xfrm>
-            <a:off x="0" y="235218"/>
+            <a:off x="0" y="340149"/>
             <a:ext cx="12192000" cy="584775"/>
           </a:xfrm>
           <a:prstGeom prst="rect">
@@ -9460,8 +9475,8 @@
         </p:nvSpPr>
         <p:spPr>
           <a:xfrm>
-            <a:off x="1425490" y="1991364"/>
-            <a:ext cx="9341019" cy="1323439"/>
+            <a:off x="1292364" y="1659285"/>
+            <a:ext cx="9607271" cy="3539430"/>
           </a:xfrm>
           <a:prstGeom prst="rect">
             <a:avLst/>
@@ -9469,13 +9484,17 @@
           <a:noFill/>
         </p:spPr>
         <p:txBody>
-          <a:bodyPr wrap="none" rtlCol="0">
+          <a:bodyPr wrap="square" rtlCol="0">
             <a:spAutoFit/>
           </a:bodyPr>
           <a:lstStyle/>
           <a:p>
-            <a:r>
-              <a:rPr lang="en-US" sz="2000" dirty="0">
+            <a:pPr marL="514350" indent="-514350">
+              <a:buFont typeface="+mj-lt"/>
+              <a:buAutoNum type="arabicPeriod"/>
+            </a:pPr>
+            <a:r>
+              <a:rPr lang="en-US" sz="2800" dirty="0">
                 <a:latin typeface="Arial" panose="020B0604020202020204" pitchFamily="34" charset="0"/>
                 <a:cs typeface="Arial" panose="020B0604020202020204" pitchFamily="34" charset="0"/>
               </a:rPr>
@@ -9483,8 +9502,12 @@
             </a:r>
           </a:p>
           <a:p>
-            <a:r>
-              <a:rPr lang="en-US" sz="2000" dirty="0">
+            <a:pPr marL="514350" indent="-514350">
+              <a:buFont typeface="+mj-lt"/>
+              <a:buAutoNum type="arabicPeriod"/>
+            </a:pPr>
+            <a:r>
+              <a:rPr lang="en-US" sz="2800" dirty="0">
                 <a:latin typeface="Arial" panose="020B0604020202020204" pitchFamily="34" charset="0"/>
                 <a:cs typeface="Arial" panose="020B0604020202020204" pitchFamily="34" charset="0"/>
               </a:rPr>
@@ -9492,8 +9515,12 @@
             </a:r>
           </a:p>
           <a:p>
-            <a:r>
-              <a:rPr lang="en-US" sz="2000" dirty="0">
+            <a:pPr marL="514350" indent="-514350">
+              <a:buFont typeface="+mj-lt"/>
+              <a:buAutoNum type="arabicPeriod"/>
+            </a:pPr>
+            <a:r>
+              <a:rPr lang="en-US" sz="2800" dirty="0">
                 <a:latin typeface="Arial" panose="020B0604020202020204" pitchFamily="34" charset="0"/>
                 <a:cs typeface="Arial" panose="020B0604020202020204" pitchFamily="34" charset="0"/>
               </a:rPr>
@@ -9501,12 +9528,29 @@
             </a:r>
           </a:p>
           <a:p>
-            <a:r>
-              <a:rPr lang="en-US" sz="2000" dirty="0">
+            <a:pPr marL="514350" indent="-514350">
+              <a:buFont typeface="+mj-lt"/>
+              <a:buAutoNum type="arabicPeriod"/>
+            </a:pPr>
+            <a:r>
+              <a:rPr lang="en-US" sz="2800" dirty="0">
                 <a:latin typeface="Arial" panose="020B0604020202020204" pitchFamily="34" charset="0"/>
                 <a:cs typeface="Arial" panose="020B0604020202020204" pitchFamily="34" charset="0"/>
               </a:rPr>
               <a:t>Use a combination of QC metrics to filter your own data</a:t>
+            </a:r>
+          </a:p>
+          <a:p>
+            <a:pPr marL="514350" indent="-514350">
+              <a:buFont typeface="+mj-lt"/>
+              <a:buAutoNum type="arabicPeriod"/>
+            </a:pPr>
+            <a:r>
+              <a:rPr lang="en-US" sz="2800" dirty="0">
+                <a:latin typeface="Arial" panose="020B0604020202020204" pitchFamily="34" charset="0"/>
+                <a:cs typeface="Arial" panose="020B0604020202020204" pitchFamily="34" charset="0"/>
+              </a:rPr>
+              <a:t>For cluster annotation, use biological knowledge (and automated cluster prediction) </a:t>
             </a:r>
           </a:p>
         </p:txBody>
@@ -9555,7 +9599,7 @@
         </p:nvSpPr>
         <p:spPr>
           <a:xfrm>
-            <a:off x="0" y="0"/>
+            <a:off x="0" y="161459"/>
             <a:ext cx="12192000" cy="584775"/>
           </a:xfrm>
           <a:prstGeom prst="rect">
@@ -9598,30 +9642,30 @@
           <p:nvPr>
             <p:extLst>
               <p:ext uri="{D42A27DB-BD31-4B8C-83A1-F6EECF244321}">
-                <p14:modId xmlns:p14="http://schemas.microsoft.com/office/powerpoint/2010/main" val="574747429"/>
+                <p14:modId xmlns:p14="http://schemas.microsoft.com/office/powerpoint/2010/main" val="2862320029"/>
               </p:ext>
             </p:extLst>
           </p:nvPr>
         </p:nvGraphicFramePr>
         <p:xfrm>
-          <a:off x="2032000" y="719666"/>
-          <a:ext cx="8128000" cy="2397760"/>
+          <a:off x="444708" y="1079430"/>
+          <a:ext cx="11302584" cy="5120640"/>
         </p:xfrm>
         <a:graphic>
           <a:graphicData uri="http://schemas.openxmlformats.org/drawingml/2006/table">
             <a:tbl>
               <a:tblPr firstRow="1" bandRow="1">
-                <a:tableStyleId>{5C22544A-7EE6-4342-B048-85BDC9FD1C3A}</a:tableStyleId>
+                <a:tableStyleId>{F5AB1C69-6EDB-4FF4-983F-18BD219EF322}</a:tableStyleId>
               </a:tblPr>
               <a:tblGrid>
-                <a:gridCol w="4064000">
+                <a:gridCol w="5651292">
                   <a:extLst>
                     <a:ext uri="{9D8B030D-6E8A-4147-A177-3AD203B41FA5}">
                       <a16:colId xmlns:a16="http://schemas.microsoft.com/office/drawing/2014/main" val="2293534849"/>
                     </a:ext>
                   </a:extLst>
                 </a:gridCol>
-                <a:gridCol w="4064000">
+                <a:gridCol w="5651292">
                   <a:extLst>
                     <a:ext uri="{9D8B030D-6E8A-4147-A177-3AD203B41FA5}">
                       <a16:colId xmlns:a16="http://schemas.microsoft.com/office/drawing/2014/main" val="2556052325"/>
@@ -9635,20 +9679,131 @@
                     <a:bodyPr/>
                     <a:lstStyle/>
                     <a:p>
-                      <a:endParaRPr lang="en-US"/>
+                      <a:r>
+                        <a:rPr lang="en-US" sz="2400" b="1" dirty="0">
+                          <a:solidFill>
+                            <a:schemeClr val="tx1"/>
+                          </a:solidFill>
+                          <a:latin typeface="Arial" panose="020B0604020202020204" pitchFamily="34" charset="0"/>
+                          <a:cs typeface="Arial" panose="020B0604020202020204" pitchFamily="34" charset="0"/>
+                        </a:rPr>
+                        <a:t>Seurat</a:t>
+                      </a:r>
                     </a:p>
                   </a:txBody>
-                  <a:tcPr/>
+                  <a:tcPr>
+                    <a:lnL w="12700" cap="flat" cmpd="sng" algn="ctr">
+                      <a:solidFill>
+                        <a:schemeClr val="tx1"/>
+                      </a:solidFill>
+                      <a:prstDash val="solid"/>
+                      <a:round/>
+                      <a:headEnd type="none" w="med" len="med"/>
+                      <a:tailEnd type="none" w="med" len="med"/>
+                    </a:lnL>
+                    <a:lnR w="12700" cap="flat" cmpd="sng" algn="ctr">
+                      <a:solidFill>
+                        <a:schemeClr val="tx1"/>
+                      </a:solidFill>
+                      <a:prstDash val="solid"/>
+                      <a:round/>
+                      <a:headEnd type="none" w="med" len="med"/>
+                      <a:tailEnd type="none" w="med" len="med"/>
+                    </a:lnR>
+                    <a:lnT w="12700" cap="flat" cmpd="sng" algn="ctr">
+                      <a:solidFill>
+                        <a:schemeClr val="tx1"/>
+                      </a:solidFill>
+                      <a:prstDash val="solid"/>
+                      <a:round/>
+                      <a:headEnd type="none" w="med" len="med"/>
+                      <a:tailEnd type="none" w="med" len="med"/>
+                    </a:lnT>
+                    <a:lnB w="12700" cap="flat" cmpd="sng" algn="ctr">
+                      <a:solidFill>
+                        <a:schemeClr val="tx1"/>
+                      </a:solidFill>
+                      <a:prstDash val="solid"/>
+                      <a:round/>
+                      <a:headEnd type="none" w="med" len="med"/>
+                      <a:tailEnd type="none" w="med" len="med"/>
+                    </a:lnB>
+                    <a:noFill/>
+                  </a:tcPr>
                 </a:tc>
                 <a:tc>
                   <a:txBody>
                     <a:bodyPr/>
                     <a:lstStyle/>
                     <a:p>
-                      <a:endParaRPr lang="en-US"/>
+                      <a:r>
+                        <a:rPr lang="en-US" sz="2400" dirty="0">
+                          <a:solidFill>
+                            <a:schemeClr val="tx1"/>
+                          </a:solidFill>
+                          <a:latin typeface="Arial" panose="020B0604020202020204" pitchFamily="34" charset="0"/>
+                          <a:cs typeface="Arial" panose="020B0604020202020204" pitchFamily="34" charset="0"/>
+                          <a:hlinkClick r:id="rId2">
+                            <a:extLst>
+                              <a:ext uri="{A12FA001-AC4F-418D-AE19-62706E023703}">
+                                <ahyp:hlinkClr xmlns:ahyp="http://schemas.microsoft.com/office/drawing/2018/hyperlinkcolor" val="tx"/>
+                              </a:ext>
+                            </a:extLst>
+                          </a:hlinkClick>
+                        </a:rPr>
+                        <a:t>https://github.com/satijalab/seurat/issues</a:t>
+                      </a:r>
+                      <a:r>
+                        <a:rPr lang="en-US" sz="2400" dirty="0">
+                          <a:solidFill>
+                            <a:schemeClr val="tx1"/>
+                          </a:solidFill>
+                          <a:latin typeface="Arial" panose="020B0604020202020204" pitchFamily="34" charset="0"/>
+                          <a:cs typeface="Arial" panose="020B0604020202020204" pitchFamily="34" charset="0"/>
+                        </a:rPr>
+                        <a:t> </a:t>
+                      </a:r>
                     </a:p>
                   </a:txBody>
-                  <a:tcPr/>
+                  <a:tcPr>
+                    <a:lnL w="12700" cap="flat" cmpd="sng" algn="ctr">
+                      <a:solidFill>
+                        <a:schemeClr val="tx1"/>
+                      </a:solidFill>
+                      <a:prstDash val="solid"/>
+                      <a:round/>
+                      <a:headEnd type="none" w="med" len="med"/>
+                      <a:tailEnd type="none" w="med" len="med"/>
+                    </a:lnL>
+                    <a:lnR w="12700" cap="flat" cmpd="sng" algn="ctr">
+                      <a:solidFill>
+                        <a:schemeClr val="tx1"/>
+                      </a:solidFill>
+                      <a:prstDash val="solid"/>
+                      <a:round/>
+                      <a:headEnd type="none" w="med" len="med"/>
+                      <a:tailEnd type="none" w="med" len="med"/>
+                    </a:lnR>
+                    <a:lnT w="12700" cap="flat" cmpd="sng" algn="ctr">
+                      <a:solidFill>
+                        <a:schemeClr val="tx1"/>
+                      </a:solidFill>
+                      <a:prstDash val="solid"/>
+                      <a:round/>
+                      <a:headEnd type="none" w="med" len="med"/>
+                      <a:tailEnd type="none" w="med" len="med"/>
+                    </a:lnT>
+                    <a:lnB w="12700" cap="flat" cmpd="sng" algn="ctr">
+                      <a:solidFill>
+                        <a:schemeClr val="tx1"/>
+                      </a:solidFill>
+                      <a:prstDash val="solid"/>
+                      <a:round/>
+                      <a:headEnd type="none" w="med" len="med"/>
+                      <a:tailEnd type="none" w="med" len="med"/>
+                    </a:lnB>
+                    <a:noFill/>
+                  </a:tcPr>
                 </a:tc>
                 <a:extLst>
                   <a:ext uri="{0D108BD9-81ED-4DB2-BD59-A6C34878D82A}">
@@ -9663,12 +9818,56 @@
                     <a:lstStyle/>
                     <a:p>
                       <a:r>
-                        <a:rPr lang="en-US" dirty="0"/>
+                        <a:rPr lang="en-US" sz="2400" b="1" dirty="0">
+                          <a:solidFill>
+                            <a:schemeClr val="tx1"/>
+                          </a:solidFill>
+                          <a:latin typeface="Arial" panose="020B0604020202020204" pitchFamily="34" charset="0"/>
+                          <a:cs typeface="Arial" panose="020B0604020202020204" pitchFamily="34" charset="0"/>
+                        </a:rPr>
                         <a:t>About Seurat object as a class (slots, …)</a:t>
                       </a:r>
                     </a:p>
                   </a:txBody>
-                  <a:tcPr/>
+                  <a:tcPr>
+                    <a:lnL w="12700" cap="flat" cmpd="sng" algn="ctr">
+                      <a:solidFill>
+                        <a:schemeClr val="tx1"/>
+                      </a:solidFill>
+                      <a:prstDash val="solid"/>
+                      <a:round/>
+                      <a:headEnd type="none" w="med" len="med"/>
+                      <a:tailEnd type="none" w="med" len="med"/>
+                    </a:lnL>
+                    <a:lnR w="12700" cap="flat" cmpd="sng" algn="ctr">
+                      <a:solidFill>
+                        <a:schemeClr val="tx1"/>
+                      </a:solidFill>
+                      <a:prstDash val="solid"/>
+                      <a:round/>
+                      <a:headEnd type="none" w="med" len="med"/>
+                      <a:tailEnd type="none" w="med" len="med"/>
+                    </a:lnR>
+                    <a:lnT w="12700" cap="flat" cmpd="sng" algn="ctr">
+                      <a:solidFill>
+                        <a:schemeClr val="tx1"/>
+                      </a:solidFill>
+                      <a:prstDash val="solid"/>
+                      <a:round/>
+                      <a:headEnd type="none" w="med" len="med"/>
+                      <a:tailEnd type="none" w="med" len="med"/>
+                    </a:lnT>
+                    <a:lnB w="12700" cap="flat" cmpd="sng" algn="ctr">
+                      <a:solidFill>
+                        <a:schemeClr val="tx1"/>
+                      </a:solidFill>
+                      <a:prstDash val="solid"/>
+                      <a:round/>
+                      <a:headEnd type="none" w="med" len="med"/>
+                      <a:tailEnd type="none" w="med" len="med"/>
+                    </a:lnB>
+                    <a:noFill/>
+                  </a:tcPr>
                 </a:tc>
                 <a:tc>
                   <a:txBody>
@@ -9676,18 +9875,73 @@
                     <a:lstStyle/>
                     <a:p>
                       <a:r>
-                        <a:rPr lang="en-US" dirty="0">
-                          <a:hlinkClick r:id="rId2"/>
+                        <a:rPr lang="en-US" sz="2400" dirty="0">
+                          <a:solidFill>
+                            <a:schemeClr val="tx1"/>
+                          </a:solidFill>
+                          <a:latin typeface="Arial" panose="020B0604020202020204" pitchFamily="34" charset="0"/>
+                          <a:cs typeface="Arial" panose="020B0604020202020204" pitchFamily="34" charset="0"/>
+                          <a:hlinkClick r:id="rId3">
+                            <a:extLst>
+                              <a:ext uri="{A12FA001-AC4F-418D-AE19-62706E023703}">
+                                <ahyp:hlinkClr xmlns:ahyp="http://schemas.microsoft.com/office/drawing/2018/hyperlinkcolor" val="tx"/>
+                              </a:ext>
+                            </a:extLst>
+                          </a:hlinkClick>
                         </a:rPr>
                         <a:t>https://github.com/satijalab/seurat/wiki</a:t>
                       </a:r>
                       <a:r>
-                        <a:rPr lang="en-US" dirty="0"/>
+                        <a:rPr lang="en-US" sz="2400" dirty="0">
+                          <a:solidFill>
+                            <a:schemeClr val="tx1"/>
+                          </a:solidFill>
+                          <a:latin typeface="Arial" panose="020B0604020202020204" pitchFamily="34" charset="0"/>
+                          <a:cs typeface="Arial" panose="020B0604020202020204" pitchFamily="34" charset="0"/>
+                        </a:rPr>
                         <a:t> </a:t>
                       </a:r>
                     </a:p>
                   </a:txBody>
-                  <a:tcPr/>
+                  <a:tcPr>
+                    <a:lnL w="12700" cap="flat" cmpd="sng" algn="ctr">
+                      <a:solidFill>
+                        <a:schemeClr val="tx1"/>
+                      </a:solidFill>
+                      <a:prstDash val="solid"/>
+                      <a:round/>
+                      <a:headEnd type="none" w="med" len="med"/>
+                      <a:tailEnd type="none" w="med" len="med"/>
+                    </a:lnL>
+                    <a:lnR w="12700" cap="flat" cmpd="sng" algn="ctr">
+                      <a:solidFill>
+                        <a:schemeClr val="tx1"/>
+                      </a:solidFill>
+                      <a:prstDash val="solid"/>
+                      <a:round/>
+                      <a:headEnd type="none" w="med" len="med"/>
+                      <a:tailEnd type="none" w="med" len="med"/>
+                    </a:lnR>
+                    <a:lnT w="12700" cap="flat" cmpd="sng" algn="ctr">
+                      <a:solidFill>
+                        <a:schemeClr val="tx1"/>
+                      </a:solidFill>
+                      <a:prstDash val="solid"/>
+                      <a:round/>
+                      <a:headEnd type="none" w="med" len="med"/>
+                      <a:tailEnd type="none" w="med" len="med"/>
+                    </a:lnT>
+                    <a:lnB w="12700" cap="flat" cmpd="sng" algn="ctr">
+                      <a:solidFill>
+                        <a:schemeClr val="tx1"/>
+                      </a:solidFill>
+                      <a:prstDash val="solid"/>
+                      <a:round/>
+                      <a:headEnd type="none" w="med" len="med"/>
+                      <a:tailEnd type="none" w="med" len="med"/>
+                    </a:lnB>
+                    <a:noFill/>
+                  </a:tcPr>
                 </a:tc>
                 <a:extLst>
                   <a:ext uri="{0D108BD9-81ED-4DB2-BD59-A6C34878D82A}">
@@ -9719,20 +9973,76 @@
                         <a:defRPr/>
                       </a:pPr>
                       <a:r>
-                        <a:rPr lang="en-US" dirty="0"/>
+                        <a:rPr lang="en-US" sz="2400" b="1" dirty="0">
+                          <a:solidFill>
+                            <a:schemeClr val="tx1"/>
+                          </a:solidFill>
+                          <a:latin typeface="Arial" panose="020B0604020202020204" pitchFamily="34" charset="0"/>
+                          <a:cs typeface="Arial" panose="020B0604020202020204" pitchFamily="34" charset="0"/>
+                        </a:rPr>
                         <a:t>Classification of low quality cells from single-cell RNA-seq data (Sarah A. </a:t>
                       </a:r>
                       <a:r>
-                        <a:rPr lang="en-US" dirty="0" err="1"/>
+                        <a:rPr lang="en-US" sz="2400" b="1" dirty="0" err="1">
+                          <a:solidFill>
+                            <a:schemeClr val="tx1"/>
+                          </a:solidFill>
+                          <a:latin typeface="Arial" panose="020B0604020202020204" pitchFamily="34" charset="0"/>
+                          <a:cs typeface="Arial" panose="020B0604020202020204" pitchFamily="34" charset="0"/>
+                        </a:rPr>
                         <a:t>Teichmann</a:t>
                       </a:r>
                       <a:r>
-                        <a:rPr lang="en-US" dirty="0"/>
+                        <a:rPr lang="en-US" sz="2400" b="1" dirty="0">
+                          <a:solidFill>
+                            <a:schemeClr val="tx1"/>
+                          </a:solidFill>
+                          <a:latin typeface="Arial" panose="020B0604020202020204" pitchFamily="34" charset="0"/>
+                          <a:cs typeface="Arial" panose="020B0604020202020204" pitchFamily="34" charset="0"/>
+                        </a:rPr>
                         <a:t>, 2016)</a:t>
                       </a:r>
                     </a:p>
                   </a:txBody>
-                  <a:tcPr/>
+                  <a:tcPr>
+                    <a:lnL w="12700" cap="flat" cmpd="sng" algn="ctr">
+                      <a:solidFill>
+                        <a:schemeClr val="tx1"/>
+                      </a:solidFill>
+                      <a:prstDash val="solid"/>
+                      <a:round/>
+                      <a:headEnd type="none" w="med" len="med"/>
+                      <a:tailEnd type="none" w="med" len="med"/>
+                    </a:lnL>
+                    <a:lnR w="12700" cap="flat" cmpd="sng" algn="ctr">
+                      <a:solidFill>
+                        <a:schemeClr val="tx1"/>
+                      </a:solidFill>
+                      <a:prstDash val="solid"/>
+                      <a:round/>
+                      <a:headEnd type="none" w="med" len="med"/>
+                      <a:tailEnd type="none" w="med" len="med"/>
+                    </a:lnR>
+                    <a:lnT w="12700" cap="flat" cmpd="sng" algn="ctr">
+                      <a:solidFill>
+                        <a:schemeClr val="tx1"/>
+                      </a:solidFill>
+                      <a:prstDash val="solid"/>
+                      <a:round/>
+                      <a:headEnd type="none" w="med" len="med"/>
+                      <a:tailEnd type="none" w="med" len="med"/>
+                    </a:lnT>
+                    <a:lnB w="12700" cap="flat" cmpd="sng" algn="ctr">
+                      <a:solidFill>
+                        <a:schemeClr val="tx1"/>
+                      </a:solidFill>
+                      <a:prstDash val="solid"/>
+                      <a:round/>
+                      <a:headEnd type="none" w="med" len="med"/>
+                      <a:tailEnd type="none" w="med" len="med"/>
+                    </a:lnB>
+                    <a:noFill/>
+                  </a:tcPr>
                 </a:tc>
                 <a:tc>
                   <a:txBody>
@@ -9740,18 +10050,73 @@
                     <a:lstStyle/>
                     <a:p>
                       <a:r>
-                        <a:rPr lang="en-US" dirty="0">
-                          <a:hlinkClick r:id="rId3"/>
+                        <a:rPr lang="en-US" sz="2400" dirty="0">
+                          <a:solidFill>
+                            <a:schemeClr val="tx1"/>
+                          </a:solidFill>
+                          <a:latin typeface="Arial" panose="020B0604020202020204" pitchFamily="34" charset="0"/>
+                          <a:cs typeface="Arial" panose="020B0604020202020204" pitchFamily="34" charset="0"/>
+                          <a:hlinkClick r:id="rId4">
+                            <a:extLst>
+                              <a:ext uri="{A12FA001-AC4F-418D-AE19-62706E023703}">
+                                <ahyp:hlinkClr xmlns:ahyp="http://schemas.microsoft.com/office/drawing/2018/hyperlinkcolor" val="tx"/>
+                              </a:ext>
+                            </a:extLst>
+                          </a:hlinkClick>
                         </a:rPr>
                         <a:t>https://www.ncbi.nlm.nih.gov/pmc/articles/PMC4758103/</a:t>
                       </a:r>
                       <a:r>
-                        <a:rPr lang="en-US" dirty="0"/>
+                        <a:rPr lang="en-US" sz="2400" dirty="0">
+                          <a:solidFill>
+                            <a:schemeClr val="tx1"/>
+                          </a:solidFill>
+                          <a:latin typeface="Arial" panose="020B0604020202020204" pitchFamily="34" charset="0"/>
+                          <a:cs typeface="Arial" panose="020B0604020202020204" pitchFamily="34" charset="0"/>
+                        </a:rPr>
                         <a:t> </a:t>
                       </a:r>
                     </a:p>
                   </a:txBody>
-                  <a:tcPr/>
+                  <a:tcPr>
+                    <a:lnL w="12700" cap="flat" cmpd="sng" algn="ctr">
+                      <a:solidFill>
+                        <a:schemeClr val="tx1"/>
+                      </a:solidFill>
+                      <a:prstDash val="solid"/>
+                      <a:round/>
+                      <a:headEnd type="none" w="med" len="med"/>
+                      <a:tailEnd type="none" w="med" len="med"/>
+                    </a:lnL>
+                    <a:lnR w="12700" cap="flat" cmpd="sng" algn="ctr">
+                      <a:solidFill>
+                        <a:schemeClr val="tx1"/>
+                      </a:solidFill>
+                      <a:prstDash val="solid"/>
+                      <a:round/>
+                      <a:headEnd type="none" w="med" len="med"/>
+                      <a:tailEnd type="none" w="med" len="med"/>
+                    </a:lnR>
+                    <a:lnT w="12700" cap="flat" cmpd="sng" algn="ctr">
+                      <a:solidFill>
+                        <a:schemeClr val="tx1"/>
+                      </a:solidFill>
+                      <a:prstDash val="solid"/>
+                      <a:round/>
+                      <a:headEnd type="none" w="med" len="med"/>
+                      <a:tailEnd type="none" w="med" len="med"/>
+                    </a:lnT>
+                    <a:lnB w="12700" cap="flat" cmpd="sng" algn="ctr">
+                      <a:solidFill>
+                        <a:schemeClr val="tx1"/>
+                      </a:solidFill>
+                      <a:prstDash val="solid"/>
+                      <a:round/>
+                      <a:headEnd type="none" w="med" len="med"/>
+                      <a:tailEnd type="none" w="med" len="med"/>
+                    </a:lnB>
+                    <a:noFill/>
+                  </a:tcPr>
                 </a:tc>
                 <a:extLst>
                   <a:ext uri="{0D108BD9-81ED-4DB2-BD59-A6C34878D82A}">
@@ -9765,51 +10130,161 @@
                     <a:bodyPr/>
                     <a:lstStyle/>
                     <a:p>
-                      <a:endParaRPr lang="en-US"/>
+                      <a:r>
+                        <a:rPr lang="en-US" sz="2400" b="1" dirty="0">
+                          <a:solidFill>
+                            <a:schemeClr val="tx1"/>
+                          </a:solidFill>
+                          <a:latin typeface="Arial" panose="020B0604020202020204" pitchFamily="34" charset="0"/>
+                          <a:cs typeface="Arial" panose="020B0604020202020204" pitchFamily="34" charset="0"/>
+                        </a:rPr>
+                        <a:t>RNA-seq analysis workshops</a:t>
+                      </a:r>
                     </a:p>
                   </a:txBody>
-                  <a:tcPr/>
+                  <a:tcPr>
+                    <a:lnL w="12700" cap="flat" cmpd="sng" algn="ctr">
+                      <a:solidFill>
+                        <a:schemeClr val="tx1"/>
+                      </a:solidFill>
+                      <a:prstDash val="solid"/>
+                      <a:round/>
+                      <a:headEnd type="none" w="med" len="med"/>
+                      <a:tailEnd type="none" w="med" len="med"/>
+                    </a:lnL>
+                    <a:lnR w="12700" cap="flat" cmpd="sng" algn="ctr">
+                      <a:solidFill>
+                        <a:schemeClr val="tx1"/>
+                      </a:solidFill>
+                      <a:prstDash val="solid"/>
+                      <a:round/>
+                      <a:headEnd type="none" w="med" len="med"/>
+                      <a:tailEnd type="none" w="med" len="med"/>
+                    </a:lnR>
+                    <a:lnT w="12700" cap="flat" cmpd="sng" algn="ctr">
+                      <a:solidFill>
+                        <a:schemeClr val="tx1"/>
+                      </a:solidFill>
+                      <a:prstDash val="solid"/>
+                      <a:round/>
+                      <a:headEnd type="none" w="med" len="med"/>
+                      <a:tailEnd type="none" w="med" len="med"/>
+                    </a:lnT>
+                    <a:lnB w="12700" cap="flat" cmpd="sng" algn="ctr">
+                      <a:solidFill>
+                        <a:schemeClr val="tx1"/>
+                      </a:solidFill>
+                      <a:prstDash val="solid"/>
+                      <a:round/>
+                      <a:headEnd type="none" w="med" len="med"/>
+                      <a:tailEnd type="none" w="med" len="med"/>
+                    </a:lnB>
+                    <a:noFill/>
+                  </a:tcPr>
                 </a:tc>
                 <a:tc>
                   <a:txBody>
                     <a:bodyPr/>
                     <a:lstStyle/>
                     <a:p>
-                      <a:endParaRPr lang="en-US"/>
+                      <a:r>
+                        <a:rPr lang="en-US" sz="2400" dirty="0">
+                          <a:solidFill>
+                            <a:schemeClr val="tx1"/>
+                          </a:solidFill>
+                          <a:latin typeface="Arial" panose="020B0604020202020204" pitchFamily="34" charset="0"/>
+                          <a:cs typeface="Arial" panose="020B0604020202020204" pitchFamily="34" charset="0"/>
+                          <a:hlinkClick r:id="rId5"/>
+                        </a:rPr>
+                        <a:t>https://github.com/hbctraining/scRNA-seq_online/blob/master/lessons/readMM_loadData.md</a:t>
+                      </a:r>
+                      <a:r>
+                        <a:rPr lang="en-US" sz="2400" dirty="0">
+                          <a:solidFill>
+                            <a:schemeClr val="tx1"/>
+                          </a:solidFill>
+                          <a:latin typeface="Arial" panose="020B0604020202020204" pitchFamily="34" charset="0"/>
+                          <a:cs typeface="Arial" panose="020B0604020202020204" pitchFamily="34" charset="0"/>
+                        </a:rPr>
+                        <a:t> </a:t>
+                      </a:r>
+                    </a:p>
+                    <a:p>
+                      <a:endParaRPr lang="en-US" sz="2400" dirty="0">
+                        <a:solidFill>
+                          <a:schemeClr val="tx1"/>
+                        </a:solidFill>
+                        <a:latin typeface="Arial" panose="020B0604020202020204" pitchFamily="34" charset="0"/>
+                        <a:cs typeface="Arial" panose="020B0604020202020204" pitchFamily="34" charset="0"/>
+                      </a:endParaRPr>
+                    </a:p>
+                    <a:p>
+                      <a:r>
+                        <a:rPr lang="en-US" sz="2400" dirty="0">
+                          <a:solidFill>
+                            <a:schemeClr val="tx1"/>
+                          </a:solidFill>
+                          <a:latin typeface="Arial" panose="020B0604020202020204" pitchFamily="34" charset="0"/>
+                          <a:cs typeface="Arial" panose="020B0604020202020204" pitchFamily="34" charset="0"/>
+                          <a:hlinkClick r:id="rId6"/>
+                        </a:rPr>
+                        <a:t>https://broadinstitute.github.io/2020_scWorkshop/</a:t>
+                      </a:r>
+                      <a:r>
+                        <a:rPr lang="en-US" sz="2400" dirty="0">
+                          <a:solidFill>
+                            <a:schemeClr val="tx1"/>
+                          </a:solidFill>
+                          <a:latin typeface="Arial" panose="020B0604020202020204" pitchFamily="34" charset="0"/>
+                          <a:cs typeface="Arial" panose="020B0604020202020204" pitchFamily="34" charset="0"/>
+                        </a:rPr>
+                        <a:t> </a:t>
+                      </a:r>
                     </a:p>
                   </a:txBody>
-                  <a:tcPr/>
+                  <a:tcPr>
+                    <a:lnL w="12700" cap="flat" cmpd="sng" algn="ctr">
+                      <a:solidFill>
+                        <a:schemeClr val="tx1"/>
+                      </a:solidFill>
+                      <a:prstDash val="solid"/>
+                      <a:round/>
+                      <a:headEnd type="none" w="med" len="med"/>
+                      <a:tailEnd type="none" w="med" len="med"/>
+                    </a:lnL>
+                    <a:lnR w="12700" cap="flat" cmpd="sng" algn="ctr">
+                      <a:solidFill>
+                        <a:schemeClr val="tx1"/>
+                      </a:solidFill>
+                      <a:prstDash val="solid"/>
+                      <a:round/>
+                      <a:headEnd type="none" w="med" len="med"/>
+                      <a:tailEnd type="none" w="med" len="med"/>
+                    </a:lnR>
+                    <a:lnT w="12700" cap="flat" cmpd="sng" algn="ctr">
+                      <a:solidFill>
+                        <a:schemeClr val="tx1"/>
+                      </a:solidFill>
+                      <a:prstDash val="solid"/>
+                      <a:round/>
+                      <a:headEnd type="none" w="med" len="med"/>
+                      <a:tailEnd type="none" w="med" len="med"/>
+                    </a:lnT>
+                    <a:lnB w="12700" cap="flat" cmpd="sng" algn="ctr">
+                      <a:solidFill>
+                        <a:schemeClr val="tx1"/>
+                      </a:solidFill>
+                      <a:prstDash val="solid"/>
+                      <a:round/>
+                      <a:headEnd type="none" w="med" len="med"/>
+                      <a:tailEnd type="none" w="med" len="med"/>
+                    </a:lnB>
+                    <a:noFill/>
+                  </a:tcPr>
                 </a:tc>
                 <a:extLst>
                   <a:ext uri="{0D108BD9-81ED-4DB2-BD59-A6C34878D82A}">
                     <a16:rowId xmlns:a16="http://schemas.microsoft.com/office/drawing/2014/main" val="1552716813"/>
-                  </a:ext>
-                </a:extLst>
-              </a:tr>
-              <a:tr h="370840">
-                <a:tc>
-                  <a:txBody>
-                    <a:bodyPr/>
-                    <a:lstStyle/>
-                    <a:p>
-                      <a:endParaRPr lang="en-US"/>
-                    </a:p>
-                  </a:txBody>
-                  <a:tcPr/>
-                </a:tc>
-                <a:tc>
-                  <a:txBody>
-                    <a:bodyPr/>
-                    <a:lstStyle/>
-                    <a:p>
-                      <a:endParaRPr lang="en-US" dirty="0"/>
-                    </a:p>
-                  </a:txBody>
-                  <a:tcPr/>
-                </a:tc>
-                <a:extLst>
-                  <a:ext uri="{0D108BD9-81ED-4DB2-BD59-A6C34878D82A}">
-                    <a16:rowId xmlns:a16="http://schemas.microsoft.com/office/drawing/2014/main" val="547977261"/>
                   </a:ext>
                 </a:extLst>
               </a:tr>

--- a/2022Nov11_IntroToSeuratWorkshop_QNN/2022Nov11_IntroToSeuratWorkshop_QNN.pptx
+++ b/2022Nov11_IntroToSeuratWorkshop_QNN/2022Nov11_IntroToSeuratWorkshop_QNN.pptx
@@ -5907,8 +5907,8 @@
         </p:nvSpPr>
         <p:spPr>
           <a:xfrm>
-            <a:off x="2467698" y="2500032"/>
-            <a:ext cx="7256602" cy="2677656"/>
+            <a:off x="2467699" y="2288710"/>
+            <a:ext cx="7256602" cy="3108543"/>
           </a:xfrm>
           <a:prstGeom prst="rect">
             <a:avLst/>
@@ -5955,6 +5955,16 @@
                 <a:cs typeface="Arial" panose="020B0604020202020204" pitchFamily="34" charset="0"/>
               </a:rPr>
               <a:t>PhD student, Persephone Borrow, OXCIO</a:t>
+            </a:r>
+          </a:p>
+          <a:p>
+            <a:pPr algn="ctr"/>
+            <a:r>
+              <a:rPr lang="en-US" sz="2800" b="1" dirty="0">
+                <a:latin typeface="Arial" panose="020B0604020202020204" pitchFamily="34" charset="0"/>
+                <a:cs typeface="Arial" panose="020B0604020202020204" pitchFamily="34" charset="0"/>
+              </a:rPr>
+              <a:t>CD8 T cell immunology</a:t>
             </a:r>
           </a:p>
           <a:p>
@@ -6003,7 +6013,7 @@
         </p:blipFill>
         <p:spPr>
           <a:xfrm>
-            <a:off x="2815277" y="5622188"/>
+            <a:off x="2815277" y="5712128"/>
             <a:ext cx="766805" cy="766805"/>
           </a:xfrm>
           <a:prstGeom prst="rect">
@@ -6025,7 +6035,7 @@
         </p:nvSpPr>
         <p:spPr>
           <a:xfrm>
-            <a:off x="3582082" y="5743980"/>
+            <a:off x="3582082" y="5833920"/>
             <a:ext cx="1863011" cy="523220"/>
           </a:xfrm>
           <a:prstGeom prst="rect">
@@ -6075,7 +6085,7 @@
         </p:blipFill>
         <p:spPr>
           <a:xfrm>
-            <a:off x="6505661" y="5461264"/>
+            <a:off x="6505661" y="5551204"/>
             <a:ext cx="710682" cy="1088653"/>
           </a:xfrm>
           <a:prstGeom prst="rect">
@@ -6097,7 +6107,7 @@
         </p:nvSpPr>
         <p:spPr>
           <a:xfrm>
-            <a:off x="7216343" y="5743980"/>
+            <a:off x="7216343" y="5833920"/>
             <a:ext cx="3182282" cy="523220"/>
           </a:xfrm>
           <a:prstGeom prst="rect">
@@ -6116,6 +6126,7 @@
               <a:rPr lang="en-US" sz="2800" b="1" dirty="0" err="1">
                 <a:latin typeface="Arial" panose="020B0604020202020204" pitchFamily="34" charset="0"/>
                 <a:cs typeface="Arial" panose="020B0604020202020204" pitchFamily="34" charset="0"/>
+                <a:hlinkClick r:id="rId5"/>
               </a:rPr>
               <a:t>QNNDukeNguyen</a:t>
             </a:r>
@@ -6615,14 +6626,14 @@
           <p:nvPr>
             <p:extLst>
               <p:ext uri="{D42A27DB-BD31-4B8C-83A1-F6EECF244321}">
-                <p14:modId xmlns:p14="http://schemas.microsoft.com/office/powerpoint/2010/main" val="829958183"/>
+                <p14:modId xmlns:p14="http://schemas.microsoft.com/office/powerpoint/2010/main" val="2288701333"/>
               </p:ext>
             </p:extLst>
           </p:nvPr>
         </p:nvGraphicFramePr>
         <p:xfrm>
           <a:off x="478971" y="1119934"/>
-          <a:ext cx="11234057" cy="3901440"/>
+          <a:ext cx="11234057" cy="4815840"/>
         </p:xfrm>
         <a:graphic>
           <a:graphicData uri="http://schemas.openxmlformats.org/drawingml/2006/table">
@@ -7012,7 +7023,7 @@
                           <a:latin typeface="Arial" panose="020B0604020202020204" pitchFamily="34" charset="0"/>
                           <a:cs typeface="Arial" panose="020B0604020202020204" pitchFamily="34" charset="0"/>
                         </a:rPr>
-                        <a:t>10</a:t>
+                        <a:t>5</a:t>
                       </a:r>
                     </a:p>
                   </a:txBody>
@@ -7090,7 +7101,7 @@
                           <a:latin typeface="Arial" panose="020B0604020202020204" pitchFamily="34" charset="0"/>
                           <a:cs typeface="Arial" panose="020B0604020202020204" pitchFamily="34" charset="0"/>
                         </a:rPr>
-                        <a:t>1. Remove low-quality genes</a:t>
+                        <a:t>1. Remove low-quality genes </a:t>
                       </a:r>
                     </a:p>
                     <a:p>
@@ -7104,6 +7115,45 @@
                           <a:cs typeface="Arial" panose="020B0604020202020204" pitchFamily="34" charset="0"/>
                         </a:rPr>
                         <a:t>2. Remove low-quality cells </a:t>
+                      </a:r>
+                    </a:p>
+                    <a:p>
+                      <a:pPr algn="l"/>
+                      <a:r>
+                        <a:rPr lang="en-US" sz="2000" b="1" i="1" dirty="0">
+                          <a:solidFill>
+                            <a:schemeClr val="accent6">
+                              <a:lumMod val="75000"/>
+                            </a:schemeClr>
+                          </a:solidFill>
+                          <a:latin typeface="Arial" panose="020B0604020202020204" pitchFamily="34" charset="0"/>
+                          <a:cs typeface="Arial" panose="020B0604020202020204" pitchFamily="34" charset="0"/>
+                        </a:rPr>
+                        <a:t>SMALL EXERCISE: Why this </a:t>
+                      </a:r>
+                      <a:r>
+                        <a:rPr lang="en-US" sz="2000" b="1" i="1" dirty="0" err="1">
+                          <a:solidFill>
+                            <a:schemeClr val="accent6">
+                              <a:lumMod val="75000"/>
+                            </a:schemeClr>
+                          </a:solidFill>
+                          <a:latin typeface="Arial" panose="020B0604020202020204" pitchFamily="34" charset="0"/>
+                          <a:cs typeface="Arial" panose="020B0604020202020204" pitchFamily="34" charset="0"/>
+                        </a:rPr>
+                        <a:t>nFeatures</a:t>
+                      </a:r>
+                      <a:r>
+                        <a:rPr lang="en-US" sz="2000" b="1" i="1" dirty="0">
+                          <a:solidFill>
+                            <a:schemeClr val="accent6">
+                              <a:lumMod val="75000"/>
+                            </a:schemeClr>
+                          </a:solidFill>
+                          <a:latin typeface="Arial" panose="020B0604020202020204" pitchFamily="34" charset="0"/>
+                          <a:cs typeface="Arial" panose="020B0604020202020204" pitchFamily="34" charset="0"/>
+                        </a:rPr>
+                        <a:t> threshold? – 10mins</a:t>
                       </a:r>
                     </a:p>
                     <a:p>
@@ -7152,7 +7202,7 @@
                           <a:latin typeface="Arial" panose="020B0604020202020204" pitchFamily="34" charset="0"/>
                           <a:cs typeface="Arial" panose="020B0604020202020204" pitchFamily="34" charset="0"/>
                         </a:rPr>
-                        <a:t> R package)</a:t>
+                        <a:t> R package) </a:t>
                       </a:r>
                     </a:p>
                   </a:txBody>
@@ -7210,7 +7260,7 @@
                           <a:latin typeface="Arial" panose="020B0604020202020204" pitchFamily="34" charset="0"/>
                           <a:cs typeface="Arial" panose="020B0604020202020204" pitchFamily="34" charset="0"/>
                         </a:rPr>
-                        <a:t>30</a:t>
+                        <a:t>25</a:t>
                       </a:r>
                     </a:p>
                   </a:txBody>
@@ -7275,7 +7325,22 @@
                           <a:latin typeface="Arial" panose="020B0604020202020204" pitchFamily="34" charset="0"/>
                           <a:cs typeface="Arial" panose="020B0604020202020204" pitchFamily="34" charset="0"/>
                         </a:rPr>
-                        <a:t>Cluster annotation methods manually with DEGs (EX: cluster 4)</a:t>
+                        <a:t>Cluster annotation methods manually with DEGs </a:t>
+                      </a:r>
+                    </a:p>
+                    <a:p>
+                      <a:pPr algn="l"/>
+                      <a:r>
+                        <a:rPr lang="en-US" sz="2000" b="1" i="1" dirty="0">
+                          <a:solidFill>
+                            <a:schemeClr val="accent6">
+                              <a:lumMod val="75000"/>
+                            </a:schemeClr>
+                          </a:solidFill>
+                          <a:latin typeface="Arial" panose="020B0604020202020204" pitchFamily="34" charset="0"/>
+                          <a:cs typeface="Arial" panose="020B0604020202020204" pitchFamily="34" charset="0"/>
+                        </a:rPr>
+                        <a:t>MEGA EXERCISE: Are there more CD8 or CD4 T cells in PBMCs?– 10mins</a:t>
                       </a:r>
                     </a:p>
                   </a:txBody>
@@ -7333,7 +7398,7 @@
                           <a:latin typeface="Arial" panose="020B0604020202020204" pitchFamily="34" charset="0"/>
                           <a:cs typeface="Arial" panose="020B0604020202020204" pitchFamily="34" charset="0"/>
                         </a:rPr>
-                        <a:t>10</a:t>
+                        <a:t>20</a:t>
                       </a:r>
                     </a:p>
                   </a:txBody>

--- a/2022Nov11_IntroToSeuratWorkshop_QNN/2022Nov11_IntroToSeuratWorkshop_QNN.pptx
+++ b/2022Nov11_IntroToSeuratWorkshop_QNN/2022Nov11_IntroToSeuratWorkshop_QNN.pptx
@@ -9415,7 +9415,7 @@
         <p:spPr>
           <a:xfrm>
             <a:off x="1658912" y="3018719"/>
-            <a:ext cx="8874176" cy="1200329"/>
+            <a:ext cx="8874176" cy="646331"/>
           </a:xfrm>
           <a:prstGeom prst="rect">
             <a:avLst/>
@@ -9442,15 +9442,12 @@
                 <a:cs typeface="Arial" panose="020B0604020202020204" pitchFamily="34" charset="0"/>
                 <a:hlinkClick r:id="rId2"/>
               </a:rPr>
-              <a:t>https://github.com/denvercal1234GitHub/learntoRfromNothing/blob/043c9af5500d7d7bf09676f4c9e0c7e07177a834/2022Nov11_IntroToSeuratWorkshop_QNN/2022Nov11_IntroToSeuratWorkshop_QNN.Rmd</a:t>
-            </a:r>
-            <a:r>
-              <a:rPr lang="en-US" b="1" dirty="0">
-                <a:latin typeface="Arial" panose="020B0604020202020204" pitchFamily="34" charset="0"/>
-                <a:cs typeface="Arial" panose="020B0604020202020204" pitchFamily="34" charset="0"/>
-              </a:rPr>
-              <a:t> </a:t>
-            </a:r>
+              <a:t>https://github.com/denvercal1234GitHub/learntoRfromNothing/</a:t>
+            </a:r>
+            <a:endParaRPr lang="en-US" b="1" dirty="0">
+              <a:latin typeface="Arial" panose="020B0604020202020204" pitchFamily="34" charset="0"/>
+              <a:cs typeface="Arial" panose="020B0604020202020204" pitchFamily="34" charset="0"/>
+            </a:endParaRPr>
           </a:p>
         </p:txBody>
       </p:sp>
@@ -9707,7 +9704,7 @@
           <p:nvPr>
             <p:extLst>
               <p:ext uri="{D42A27DB-BD31-4B8C-83A1-F6EECF244321}">
-                <p14:modId xmlns:p14="http://schemas.microsoft.com/office/powerpoint/2010/main" val="2862320029"/>
+                <p14:modId xmlns:p14="http://schemas.microsoft.com/office/powerpoint/2010/main" val="7126856"/>
               </p:ext>
             </p:extLst>
           </p:nvPr>
@@ -9756,7 +9753,7 @@
                       </a:r>
                     </a:p>
                   </a:txBody>
-                  <a:tcPr>
+                  <a:tcPr anchor="ctr">
                     <a:lnL w="12700" cap="flat" cmpd="sng" algn="ctr">
                       <a:solidFill>
                         <a:schemeClr val="tx1"/>
@@ -9830,7 +9827,7 @@
                       </a:r>
                     </a:p>
                   </a:txBody>
-                  <a:tcPr>
+                  <a:tcPr anchor="ctr">
                     <a:lnL w="12700" cap="flat" cmpd="sng" algn="ctr">
                       <a:solidFill>
                         <a:schemeClr val="tx1"/>
@@ -9894,7 +9891,7 @@
                       </a:r>
                     </a:p>
                   </a:txBody>
-                  <a:tcPr>
+                  <a:tcPr anchor="ctr">
                     <a:lnL w="12700" cap="flat" cmpd="sng" algn="ctr">
                       <a:solidFill>
                         <a:schemeClr val="tx1"/>
@@ -9968,7 +9965,7 @@
                       </a:r>
                     </a:p>
                   </a:txBody>
-                  <a:tcPr>
+                  <a:tcPr anchor="ctr">
                     <a:lnL w="12700" cap="flat" cmpd="sng" algn="ctr">
                       <a:solidFill>
                         <a:schemeClr val="tx1"/>
@@ -10069,7 +10066,7 @@
                       </a:r>
                     </a:p>
                   </a:txBody>
-                  <a:tcPr>
+                  <a:tcPr anchor="ctr">
                     <a:lnL w="12700" cap="flat" cmpd="sng" algn="ctr">
                       <a:solidFill>
                         <a:schemeClr val="tx1"/>
@@ -10143,7 +10140,7 @@
                       </a:r>
                     </a:p>
                   </a:txBody>
-                  <a:tcPr>
+                  <a:tcPr anchor="ctr">
                     <a:lnL w="12700" cap="flat" cmpd="sng" algn="ctr">
                       <a:solidFill>
                         <a:schemeClr val="tx1"/>
@@ -10207,7 +10204,7 @@
                       </a:r>
                     </a:p>
                   </a:txBody>
-                  <a:tcPr>
+                  <a:tcPr anchor="ctr">
                     <a:lnL w="12700" cap="flat" cmpd="sng" algn="ctr">
                       <a:solidFill>
                         <a:schemeClr val="tx1"/>
@@ -10307,7 +10304,7 @@
                       </a:r>
                     </a:p>
                   </a:txBody>
-                  <a:tcPr>
+                  <a:tcPr anchor="ctr">
                     <a:lnL w="12700" cap="flat" cmpd="sng" algn="ctr">
                       <a:solidFill>
                         <a:schemeClr val="tx1"/>

--- a/2022Nov11_IntroToSeuratWorkshop_QNN/2022Nov11_IntroToSeuratWorkshop_QNN.pptx
+++ b/2022Nov11_IntroToSeuratWorkshop_QNN/2022Nov11_IntroToSeuratWorkshop_QNN.pptx
@@ -5907,8 +5907,8 @@
         </p:nvSpPr>
         <p:spPr>
           <a:xfrm>
-            <a:off x="2467699" y="2288710"/>
-            <a:ext cx="7256602" cy="3108543"/>
+            <a:off x="3451686" y="2288710"/>
+            <a:ext cx="5288627" cy="3108543"/>
           </a:xfrm>
           <a:prstGeom prst="rect">
             <a:avLst/>
@@ -5954,7 +5954,7 @@
                 <a:latin typeface="Arial" panose="020B0604020202020204" pitchFamily="34" charset="0"/>
                 <a:cs typeface="Arial" panose="020B0604020202020204" pitchFamily="34" charset="0"/>
               </a:rPr>
-              <a:t>PhD student, Persephone Borrow, OXCIO</a:t>
+              <a:t>PhD student</a:t>
             </a:r>
           </a:p>
           <a:p>
@@ -5964,7 +5964,7 @@
                 <a:latin typeface="Arial" panose="020B0604020202020204" pitchFamily="34" charset="0"/>
                 <a:cs typeface="Arial" panose="020B0604020202020204" pitchFamily="34" charset="0"/>
               </a:rPr>
-              <a:t>CD8 T cell immunology</a:t>
+              <a:t>Immunology</a:t>
             </a:r>
           </a:p>
           <a:p>

--- a/2022Nov11_IntroToSeuratWorkshop_QNN/2022Nov11_IntroToSeuratWorkshop_QNN.pptx
+++ b/2022Nov11_IntroToSeuratWorkshop_QNN/2022Nov11_IntroToSeuratWorkshop_QNN.pptx
@@ -203,7 +203,7 @@
           <a:p>
             <a:fld id="{1B6E4DC7-6B36-724F-B33C-F92B8BD644E4}" type="datetimeFigureOut">
               <a:rPr lang="en-US" smtClean="0"/>
-              <a:t>11/11/22</a:t>
+              <a:t>11/12/22</a:t>
             </a:fld>
             <a:endParaRPr lang="en-US"/>
           </a:p>
@@ -515,22 +515,6 @@
           <a:bodyPr/>
           <a:lstStyle/>
           <a:p>
-            <a:r>
-              <a:rPr lang="en-US" dirty="0"/>
-              <a:t>https://</a:t>
-            </a:r>
-            <a:r>
-              <a:rPr lang="en-US" dirty="0" err="1"/>
-              <a:t>admin.typeform.com</a:t>
-            </a:r>
-            <a:r>
-              <a:rPr lang="en-US" dirty="0"/>
-              <a:t>/accounts/01GHHK0YY4MX65ECJ7MJGWEKKE/workspaces/</a:t>
-            </a:r>
-            <a:r>
-              <a:rPr lang="en-US" dirty="0" err="1"/>
-              <a:t>DTErwe</a:t>
-            </a:r>
             <a:endParaRPr lang="en-US" dirty="0"/>
           </a:p>
         </p:txBody>
@@ -2738,7 +2722,7 @@
           <a:p>
             <a:fld id="{17CD738D-6092-3749-ACF8-102458D2B925}" type="datetimeFigureOut">
               <a:rPr lang="en-US" smtClean="0"/>
-              <a:t>11/11/22</a:t>
+              <a:t>11/12/22</a:t>
             </a:fld>
             <a:endParaRPr lang="en-US"/>
           </a:p>
@@ -2938,7 +2922,7 @@
           <a:p>
             <a:fld id="{17CD738D-6092-3749-ACF8-102458D2B925}" type="datetimeFigureOut">
               <a:rPr lang="en-US" smtClean="0"/>
-              <a:t>11/11/22</a:t>
+              <a:t>11/12/22</a:t>
             </a:fld>
             <a:endParaRPr lang="en-US"/>
           </a:p>
@@ -3148,7 +3132,7 @@
           <a:p>
             <a:fld id="{17CD738D-6092-3749-ACF8-102458D2B925}" type="datetimeFigureOut">
               <a:rPr lang="en-US" smtClean="0"/>
-              <a:t>11/11/22</a:t>
+              <a:t>11/12/22</a:t>
             </a:fld>
             <a:endParaRPr lang="en-US"/>
           </a:p>
@@ -3348,7 +3332,7 @@
           <a:p>
             <a:fld id="{17CD738D-6092-3749-ACF8-102458D2B925}" type="datetimeFigureOut">
               <a:rPr lang="en-US" smtClean="0"/>
-              <a:t>11/11/22</a:t>
+              <a:t>11/12/22</a:t>
             </a:fld>
             <a:endParaRPr lang="en-US"/>
           </a:p>
@@ -3624,7 +3608,7 @@
           <a:p>
             <a:fld id="{17CD738D-6092-3749-ACF8-102458D2B925}" type="datetimeFigureOut">
               <a:rPr lang="en-US" smtClean="0"/>
-              <a:t>11/11/22</a:t>
+              <a:t>11/12/22</a:t>
             </a:fld>
             <a:endParaRPr lang="en-US"/>
           </a:p>
@@ -3892,7 +3876,7 @@
           <a:p>
             <a:fld id="{17CD738D-6092-3749-ACF8-102458D2B925}" type="datetimeFigureOut">
               <a:rPr lang="en-US" smtClean="0"/>
-              <a:t>11/11/22</a:t>
+              <a:t>11/12/22</a:t>
             </a:fld>
             <a:endParaRPr lang="en-US"/>
           </a:p>
@@ -4307,7 +4291,7 @@
           <a:p>
             <a:fld id="{17CD738D-6092-3749-ACF8-102458D2B925}" type="datetimeFigureOut">
               <a:rPr lang="en-US" smtClean="0"/>
-              <a:t>11/11/22</a:t>
+              <a:t>11/12/22</a:t>
             </a:fld>
             <a:endParaRPr lang="en-US"/>
           </a:p>
@@ -4449,7 +4433,7 @@
           <a:p>
             <a:fld id="{17CD738D-6092-3749-ACF8-102458D2B925}" type="datetimeFigureOut">
               <a:rPr lang="en-US" smtClean="0"/>
-              <a:t>11/11/22</a:t>
+              <a:t>11/12/22</a:t>
             </a:fld>
             <a:endParaRPr lang="en-US"/>
           </a:p>
@@ -4562,7 +4546,7 @@
           <a:p>
             <a:fld id="{17CD738D-6092-3749-ACF8-102458D2B925}" type="datetimeFigureOut">
               <a:rPr lang="en-US" smtClean="0"/>
-              <a:t>11/11/22</a:t>
+              <a:t>11/12/22</a:t>
             </a:fld>
             <a:endParaRPr lang="en-US"/>
           </a:p>
@@ -4875,7 +4859,7 @@
           <a:p>
             <a:fld id="{17CD738D-6092-3749-ACF8-102458D2B925}" type="datetimeFigureOut">
               <a:rPr lang="en-US" smtClean="0"/>
-              <a:t>11/11/22</a:t>
+              <a:t>11/12/22</a:t>
             </a:fld>
             <a:endParaRPr lang="en-US"/>
           </a:p>
@@ -5164,7 +5148,7 @@
           <a:p>
             <a:fld id="{17CD738D-6092-3749-ACF8-102458D2B925}" type="datetimeFigureOut">
               <a:rPr lang="en-US" smtClean="0"/>
-              <a:t>11/11/22</a:t>
+              <a:t>11/12/22</a:t>
             </a:fld>
             <a:endParaRPr lang="en-US"/>
           </a:p>
@@ -5407,7 +5391,7 @@
           <a:p>
             <a:fld id="{17CD738D-6092-3749-ACF8-102458D2B925}" type="datetimeFigureOut">
               <a:rPr lang="en-US" smtClean="0"/>
-              <a:t>11/11/22</a:t>
+              <a:t>11/12/22</a:t>
             </a:fld>
             <a:endParaRPr lang="en-US"/>
           </a:p>
@@ -5838,7 +5822,7 @@
         </p:nvSpPr>
         <p:spPr>
           <a:xfrm>
-            <a:off x="0" y="864766"/>
+            <a:off x="0" y="774825"/>
             <a:ext cx="12192000" cy="1077218"/>
           </a:xfrm>
           <a:prstGeom prst="rect">
@@ -5881,7 +5865,7 @@
                 <a:latin typeface="Arial" panose="020B0604020202020204" pitchFamily="34" charset="0"/>
                 <a:cs typeface="Arial" panose="020B0604020202020204" pitchFamily="34" charset="0"/>
               </a:rPr>
-              <a:t> analysis: Details tutorials did not specify but you should know</a:t>
+              <a:t> analysis: Details tutorials did not specify, but you should know</a:t>
             </a:r>
             <a:endParaRPr lang="en-US" sz="3200" b="1" dirty="0">
               <a:solidFill>
@@ -5907,8 +5891,8 @@
         </p:nvSpPr>
         <p:spPr>
           <a:xfrm>
-            <a:off x="3451686" y="2288710"/>
-            <a:ext cx="5288627" cy="3108543"/>
+            <a:off x="2832644" y="2288710"/>
+            <a:ext cx="6526723" cy="3108543"/>
           </a:xfrm>
           <a:prstGeom prst="rect">
             <a:avLst/>
@@ -5964,7 +5948,7 @@
                 <a:latin typeface="Arial" panose="020B0604020202020204" pitchFamily="34" charset="0"/>
                 <a:cs typeface="Arial" panose="020B0604020202020204" pitchFamily="34" charset="0"/>
               </a:rPr>
-              <a:t>Immunology</a:t>
+              <a:t>T cell immunology, Oxford University</a:t>
             </a:r>
           </a:p>
           <a:p>
@@ -5977,12 +5961,11 @@
           <a:p>
             <a:pPr algn="ctr"/>
             <a:r>
-              <a:rPr lang="en-US" sz="2800" b="1" dirty="0">
+              <a:rPr lang="en-US" sz="2800" b="1" dirty="0" err="1">
                 <a:latin typeface="Arial" panose="020B0604020202020204" pitchFamily="34" charset="0"/>
                 <a:cs typeface="Arial" panose="020B0604020202020204" pitchFamily="34" charset="0"/>
-                <a:hlinkClick r:id="rId2"/>
-              </a:rPr>
-              <a:t>quang.nguyen@ndm.ox.ac.uk</a:t>
+              </a:rPr>
+              <a:t>quang.n.nguyen@alumni.duke.edu</a:t>
             </a:r>
             <a:endParaRPr lang="en-US" sz="2800" b="1" dirty="0">
               <a:latin typeface="Arial" panose="020B0604020202020204" pitchFamily="34" charset="0"/>
@@ -6006,7 +5989,7 @@
           <p:nvPr/>
         </p:nvPicPr>
         <p:blipFill>
-          <a:blip r:embed="rId3"/>
+          <a:blip r:embed="rId2"/>
           <a:stretch>
             <a:fillRect/>
           </a:stretch>
@@ -6079,7 +6062,7 @@
           <p:nvPr/>
         </p:nvPicPr>
         <p:blipFill rotWithShape="1">
-          <a:blip r:embed="rId4"/>
+          <a:blip r:embed="rId3"/>
           <a:srcRect r="63733"/>
           <a:stretch/>
         </p:blipFill>
@@ -6126,7 +6109,7 @@
               <a:rPr lang="en-US" sz="2800" b="1" dirty="0" err="1">
                 <a:latin typeface="Arial" panose="020B0604020202020204" pitchFamily="34" charset="0"/>
                 <a:cs typeface="Arial" panose="020B0604020202020204" pitchFamily="34" charset="0"/>
-                <a:hlinkClick r:id="rId5"/>
+                <a:hlinkClick r:id="rId4"/>
               </a:rPr>
               <a:t>QNNDukeNguyen</a:t>
             </a:r>
@@ -6583,7 +6566,7 @@
         </p:nvSpPr>
         <p:spPr>
           <a:xfrm>
-            <a:off x="0" y="104589"/>
+            <a:off x="-1" y="235217"/>
             <a:ext cx="12192000" cy="584775"/>
           </a:xfrm>
           <a:prstGeom prst="rect">
@@ -6626,14 +6609,14 @@
           <p:nvPr>
             <p:extLst>
               <p:ext uri="{D42A27DB-BD31-4B8C-83A1-F6EECF244321}">
-                <p14:modId xmlns:p14="http://schemas.microsoft.com/office/powerpoint/2010/main" val="2288701333"/>
+                <p14:modId xmlns:p14="http://schemas.microsoft.com/office/powerpoint/2010/main" val="2678852206"/>
               </p:ext>
             </p:extLst>
           </p:nvPr>
         </p:nvGraphicFramePr>
         <p:xfrm>
-          <a:off x="478971" y="1119934"/>
-          <a:ext cx="11234057" cy="4815840"/>
+          <a:off x="478971" y="1441482"/>
+          <a:ext cx="11234057" cy="3718560"/>
         </p:xfrm>
         <a:graphic>
           <a:graphicData uri="http://schemas.openxmlformats.org/drawingml/2006/table">
@@ -6777,176 +6760,6 @@
                 <a:extLst>
                   <a:ext uri="{0D108BD9-81ED-4DB2-BD59-A6C34878D82A}">
                     <a16:rowId xmlns:a16="http://schemas.microsoft.com/office/drawing/2014/main" val="3342161968"/>
-                  </a:ext>
-                </a:extLst>
-              </a:tr>
-              <a:tr h="370840">
-                <a:tc>
-                  <a:txBody>
-                    <a:bodyPr/>
-                    <a:lstStyle/>
-                    <a:p>
-                      <a:pPr algn="l"/>
-                      <a:r>
-                        <a:rPr lang="en-US" sz="2000" dirty="0">
-                          <a:solidFill>
-                            <a:schemeClr val="tx1"/>
-                          </a:solidFill>
-                          <a:latin typeface="Arial" panose="020B0604020202020204" pitchFamily="34" charset="0"/>
-                          <a:cs typeface="Arial" panose="020B0604020202020204" pitchFamily="34" charset="0"/>
-                        </a:rPr>
-                        <a:t>Sign in</a:t>
-                      </a:r>
-                    </a:p>
-                    <a:p>
-                      <a:pPr algn="l"/>
-                      <a:r>
-                        <a:rPr lang="en-US" sz="2000" dirty="0">
-                          <a:solidFill>
-                            <a:schemeClr val="tx1"/>
-                          </a:solidFill>
-                          <a:latin typeface="Arial" panose="020B0604020202020204" pitchFamily="34" charset="0"/>
-                          <a:cs typeface="Arial" panose="020B0604020202020204" pitchFamily="34" charset="0"/>
-                        </a:rPr>
-                        <a:t>Enter poll: </a:t>
-                      </a:r>
-                      <a:r>
-                        <a:rPr lang="en-US" sz="2000" dirty="0">
-                          <a:solidFill>
-                            <a:schemeClr val="tx1"/>
-                          </a:solidFill>
-                          <a:latin typeface="Arial" panose="020B0604020202020204" pitchFamily="34" charset="0"/>
-                          <a:cs typeface="Arial" panose="020B0604020202020204" pitchFamily="34" charset="0"/>
-                          <a:hlinkClick r:id="rId3"/>
-                        </a:rPr>
-                        <a:t>https://bit.ly/IntroSeurat_Enter</a:t>
-                      </a:r>
-                      <a:r>
-                        <a:rPr lang="en-US" sz="2000" dirty="0">
-                          <a:solidFill>
-                            <a:schemeClr val="tx1"/>
-                          </a:solidFill>
-                          <a:latin typeface="Arial" panose="020B0604020202020204" pitchFamily="34" charset="0"/>
-                          <a:cs typeface="Arial" panose="020B0604020202020204" pitchFamily="34" charset="0"/>
-                        </a:rPr>
-                        <a:t> </a:t>
-                      </a:r>
-                    </a:p>
-                    <a:p>
-                      <a:pPr algn="l"/>
-                      <a:r>
-                        <a:rPr lang="en-US" sz="2000" dirty="0">
-                          <a:solidFill>
-                            <a:schemeClr val="tx1"/>
-                          </a:solidFill>
-                          <a:latin typeface="Arial" panose="020B0604020202020204" pitchFamily="34" charset="0"/>
-                          <a:cs typeface="Arial" panose="020B0604020202020204" pitchFamily="34" charset="0"/>
-                        </a:rPr>
-                        <a:t>Install packages</a:t>
-                      </a:r>
-                    </a:p>
-                  </a:txBody>
-                  <a:tcPr anchor="ctr">
-                    <a:lnL w="12700" cap="flat" cmpd="sng" algn="ctr">
-                      <a:solidFill>
-                        <a:schemeClr val="tx1"/>
-                      </a:solidFill>
-                      <a:prstDash val="solid"/>
-                      <a:round/>
-                      <a:headEnd type="none" w="med" len="med"/>
-                      <a:tailEnd type="none" w="med" len="med"/>
-                    </a:lnL>
-                    <a:lnR w="12700" cap="flat" cmpd="sng" algn="ctr">
-                      <a:solidFill>
-                        <a:schemeClr val="tx1"/>
-                      </a:solidFill>
-                      <a:prstDash val="solid"/>
-                      <a:round/>
-                      <a:headEnd type="none" w="med" len="med"/>
-                      <a:tailEnd type="none" w="med" len="med"/>
-                    </a:lnR>
-                    <a:lnT w="12700" cap="flat" cmpd="sng" algn="ctr">
-                      <a:solidFill>
-                        <a:schemeClr val="tx1"/>
-                      </a:solidFill>
-                      <a:prstDash val="solid"/>
-                      <a:round/>
-                      <a:headEnd type="none" w="med" len="med"/>
-                      <a:tailEnd type="none" w="med" len="med"/>
-                    </a:lnT>
-                    <a:lnB w="12700" cap="flat" cmpd="sng" algn="ctr">
-                      <a:solidFill>
-                        <a:schemeClr val="tx1"/>
-                      </a:solidFill>
-                      <a:prstDash val="solid"/>
-                      <a:round/>
-                      <a:headEnd type="none" w="med" len="med"/>
-                      <a:tailEnd type="none" w="med" len="med"/>
-                    </a:lnB>
-                    <a:noFill/>
-                  </a:tcPr>
-                </a:tc>
-                <a:tc>
-                  <a:txBody>
-                    <a:bodyPr/>
-                    <a:lstStyle/>
-                    <a:p>
-                      <a:pPr algn="ctr"/>
-                      <a:r>
-                        <a:rPr lang="en-US" sz="2000" dirty="0">
-                          <a:solidFill>
-                            <a:schemeClr val="tx1"/>
-                          </a:solidFill>
-                          <a:latin typeface="Arial" panose="020B0604020202020204" pitchFamily="34" charset="0"/>
-                          <a:cs typeface="Arial" panose="020B0604020202020204" pitchFamily="34" charset="0"/>
-                        </a:rPr>
-                        <a:t>5</a:t>
-                      </a:r>
-                    </a:p>
-                  </a:txBody>
-                  <a:tcPr anchor="ctr">
-                    <a:lnL w="12700" cap="flat" cmpd="sng" algn="ctr">
-                      <a:solidFill>
-                        <a:schemeClr val="tx1"/>
-                      </a:solidFill>
-                      <a:prstDash val="solid"/>
-                      <a:round/>
-                      <a:headEnd type="none" w="med" len="med"/>
-                      <a:tailEnd type="none" w="med" len="med"/>
-                    </a:lnL>
-                    <a:lnR w="12700" cap="flat" cmpd="sng" algn="ctr">
-                      <a:solidFill>
-                        <a:schemeClr val="tx1"/>
-                      </a:solidFill>
-                      <a:prstDash val="solid"/>
-                      <a:round/>
-                      <a:headEnd type="none" w="med" len="med"/>
-                      <a:tailEnd type="none" w="med" len="med"/>
-                    </a:lnR>
-                    <a:lnT w="12700" cap="flat" cmpd="sng" algn="ctr">
-                      <a:solidFill>
-                        <a:schemeClr val="tx1"/>
-                      </a:solidFill>
-                      <a:prstDash val="solid"/>
-                      <a:round/>
-                      <a:headEnd type="none" w="med" len="med"/>
-                      <a:tailEnd type="none" w="med" len="med"/>
-                    </a:lnT>
-                    <a:lnB w="12700" cap="flat" cmpd="sng" algn="ctr">
-                      <a:solidFill>
-                        <a:schemeClr val="tx1"/>
-                      </a:solidFill>
-                      <a:prstDash val="solid"/>
-                      <a:round/>
-                      <a:headEnd type="none" w="med" len="med"/>
-                      <a:tailEnd type="none" w="med" len="med"/>
-                    </a:lnB>
-                    <a:noFill/>
-                  </a:tcPr>
-                </a:tc>
-                <a:extLst>
-                  <a:ext uri="{0D108BD9-81ED-4DB2-BD59-A6C34878D82A}">
-                    <a16:rowId xmlns:a16="http://schemas.microsoft.com/office/drawing/2014/main" val="2125908037"/>
                   </a:ext>
                 </a:extLst>
               </a:tr>
@@ -7129,7 +6942,22 @@
                           <a:latin typeface="Arial" panose="020B0604020202020204" pitchFamily="34" charset="0"/>
                           <a:cs typeface="Arial" panose="020B0604020202020204" pitchFamily="34" charset="0"/>
                         </a:rPr>
-                        <a:t>SMALL EXERCISE: Why this </a:t>
+                        <a:t>SMALL EXERCISE: </a:t>
+                      </a:r>
+                    </a:p>
+                    <a:p>
+                      <a:pPr algn="l"/>
+                      <a:r>
+                        <a:rPr lang="en-US" sz="2000" b="1" i="1" dirty="0">
+                          <a:solidFill>
+                            <a:schemeClr val="accent6">
+                              <a:lumMod val="75000"/>
+                            </a:schemeClr>
+                          </a:solidFill>
+                          <a:latin typeface="Arial" panose="020B0604020202020204" pitchFamily="34" charset="0"/>
+                          <a:cs typeface="Arial" panose="020B0604020202020204" pitchFamily="34" charset="0"/>
+                        </a:rPr>
+                        <a:t>Why this </a:t>
                       </a:r>
                       <a:r>
                         <a:rPr lang="en-US" sz="2000" b="1" i="1" dirty="0" err="1">
@@ -7340,7 +7168,22 @@
                           <a:latin typeface="Arial" panose="020B0604020202020204" pitchFamily="34" charset="0"/>
                           <a:cs typeface="Arial" panose="020B0604020202020204" pitchFamily="34" charset="0"/>
                         </a:rPr>
-                        <a:t>MEGA EXERCISE: Are there more CD8 or CD4 T cells in PBMCs?– 10mins</a:t>
+                        <a:t>MEGA EXERCISE: </a:t>
+                      </a:r>
+                    </a:p>
+                    <a:p>
+                      <a:pPr algn="l"/>
+                      <a:r>
+                        <a:rPr lang="en-US" sz="2000" b="1" i="1" dirty="0">
+                          <a:solidFill>
+                            <a:schemeClr val="accent6">
+                              <a:lumMod val="75000"/>
+                            </a:schemeClr>
+                          </a:solidFill>
+                          <a:latin typeface="Arial" panose="020B0604020202020204" pitchFamily="34" charset="0"/>
+                          <a:cs typeface="Arial" panose="020B0604020202020204" pitchFamily="34" charset="0"/>
+                        </a:rPr>
+                        <a:t>Are there more CD8 or CD4 T cells in PBMCs?– 10mins</a:t>
                       </a:r>
                     </a:p>
                   </a:txBody>
@@ -7445,150 +7288,6 @@
                 <a:extLst>
                   <a:ext uri="{0D108BD9-81ED-4DB2-BD59-A6C34878D82A}">
                     <a16:rowId xmlns:a16="http://schemas.microsoft.com/office/drawing/2014/main" val="4094808494"/>
-                  </a:ext>
-                </a:extLst>
-              </a:tr>
-              <a:tr h="370840">
-                <a:tc>
-                  <a:txBody>
-                    <a:bodyPr/>
-                    <a:lstStyle/>
-                    <a:p>
-                      <a:pPr algn="l"/>
-                      <a:r>
-                        <a:rPr lang="en-US" sz="2000" dirty="0">
-                          <a:solidFill>
-                            <a:schemeClr val="tx1"/>
-                          </a:solidFill>
-                          <a:latin typeface="Arial" panose="020B0604020202020204" pitchFamily="34" charset="0"/>
-                          <a:cs typeface="Arial" panose="020B0604020202020204" pitchFamily="34" charset="0"/>
-                        </a:rPr>
-                        <a:t>Exit poll: </a:t>
-                      </a:r>
-                      <a:r>
-                        <a:rPr lang="en-US" sz="2000" dirty="0">
-                          <a:solidFill>
-                            <a:schemeClr val="tx1"/>
-                          </a:solidFill>
-                          <a:latin typeface="Arial" panose="020B0604020202020204" pitchFamily="34" charset="0"/>
-                          <a:cs typeface="Arial" panose="020B0604020202020204" pitchFamily="34" charset="0"/>
-                          <a:hlinkClick r:id="rId4"/>
-                        </a:rPr>
-                        <a:t>https://bit.ly/IntroSeurat_Exit</a:t>
-                      </a:r>
-                      <a:r>
-                        <a:rPr lang="en-US" sz="2000" dirty="0">
-                          <a:solidFill>
-                            <a:schemeClr val="tx1"/>
-                          </a:solidFill>
-                          <a:latin typeface="Arial" panose="020B0604020202020204" pitchFamily="34" charset="0"/>
-                          <a:cs typeface="Arial" panose="020B0604020202020204" pitchFamily="34" charset="0"/>
-                        </a:rPr>
-                        <a:t> </a:t>
-                      </a:r>
-                    </a:p>
-                  </a:txBody>
-                  <a:tcPr anchor="ctr">
-                    <a:lnL w="12700" cap="flat" cmpd="sng" algn="ctr">
-                      <a:solidFill>
-                        <a:schemeClr val="tx1"/>
-                      </a:solidFill>
-                      <a:prstDash val="solid"/>
-                      <a:round/>
-                      <a:headEnd type="none" w="med" len="med"/>
-                      <a:tailEnd type="none" w="med" len="med"/>
-                    </a:lnL>
-                    <a:lnR w="12700" cap="flat" cmpd="sng" algn="ctr">
-                      <a:solidFill>
-                        <a:schemeClr val="tx1"/>
-                      </a:solidFill>
-                      <a:prstDash val="solid"/>
-                      <a:round/>
-                      <a:headEnd type="none" w="med" len="med"/>
-                      <a:tailEnd type="none" w="med" len="med"/>
-                    </a:lnR>
-                    <a:lnT w="12700" cap="flat" cmpd="sng" algn="ctr">
-                      <a:solidFill>
-                        <a:schemeClr val="tx1"/>
-                      </a:solidFill>
-                      <a:prstDash val="solid"/>
-                      <a:round/>
-                      <a:headEnd type="none" w="med" len="med"/>
-                      <a:tailEnd type="none" w="med" len="med"/>
-                    </a:lnT>
-                    <a:lnB w="12700" cap="flat" cmpd="sng" algn="ctr">
-                      <a:solidFill>
-                        <a:schemeClr val="tx1"/>
-                      </a:solidFill>
-                      <a:prstDash val="solid"/>
-                      <a:round/>
-                      <a:headEnd type="none" w="med" len="med"/>
-                      <a:tailEnd type="none" w="med" len="med"/>
-                    </a:lnB>
-                    <a:noFill/>
-                  </a:tcPr>
-                </a:tc>
-                <a:tc>
-                  <a:txBody>
-                    <a:bodyPr/>
-                    <a:lstStyle/>
-                    <a:p>
-                      <a:pPr algn="ctr"/>
-                      <a:r>
-                        <a:rPr lang="en-US" sz="2000" dirty="0">
-                          <a:solidFill>
-                            <a:schemeClr val="tx1"/>
-                          </a:solidFill>
-                          <a:latin typeface="Arial" panose="020B0604020202020204" pitchFamily="34" charset="0"/>
-                          <a:cs typeface="Arial" panose="020B0604020202020204" pitchFamily="34" charset="0"/>
-                        </a:rPr>
-                        <a:t>5</a:t>
-                      </a:r>
-                    </a:p>
-                  </a:txBody>
-                  <a:tcPr anchor="ctr">
-                    <a:lnL w="12700" cap="flat" cmpd="sng" algn="ctr">
-                      <a:solidFill>
-                        <a:schemeClr val="tx1"/>
-                      </a:solidFill>
-                      <a:prstDash val="solid"/>
-                      <a:round/>
-                      <a:headEnd type="none" w="med" len="med"/>
-                      <a:tailEnd type="none" w="med" len="med"/>
-                    </a:lnL>
-                    <a:lnR w="12700" cap="flat" cmpd="sng" algn="ctr">
-                      <a:solidFill>
-                        <a:schemeClr val="tx1"/>
-                      </a:solidFill>
-                      <a:prstDash val="solid"/>
-                      <a:round/>
-                      <a:headEnd type="none" w="med" len="med"/>
-                      <a:tailEnd type="none" w="med" len="med"/>
-                    </a:lnR>
-                    <a:lnT w="12700" cap="flat" cmpd="sng" algn="ctr">
-                      <a:solidFill>
-                        <a:schemeClr val="tx1"/>
-                      </a:solidFill>
-                      <a:prstDash val="solid"/>
-                      <a:round/>
-                      <a:headEnd type="none" w="med" len="med"/>
-                      <a:tailEnd type="none" w="med" len="med"/>
-                    </a:lnT>
-                    <a:lnB w="12700" cap="flat" cmpd="sng" algn="ctr">
-                      <a:solidFill>
-                        <a:schemeClr val="tx1"/>
-                      </a:solidFill>
-                      <a:prstDash val="solid"/>
-                      <a:round/>
-                      <a:headEnd type="none" w="med" len="med"/>
-                      <a:tailEnd type="none" w="med" len="med"/>
-                    </a:lnB>
-                    <a:noFill/>
-                  </a:tcPr>
-                </a:tc>
-                <a:extLst>
-                  <a:ext uri="{0D108BD9-81ED-4DB2-BD59-A6C34878D82A}">
-                    <a16:rowId xmlns:a16="http://schemas.microsoft.com/office/drawing/2014/main" val="4280125804"/>
                   </a:ext>
                 </a:extLst>
               </a:tr>
@@ -9704,14 +9403,14 @@
           <p:nvPr>
             <p:extLst>
               <p:ext uri="{D42A27DB-BD31-4B8C-83A1-F6EECF244321}">
-                <p14:modId xmlns:p14="http://schemas.microsoft.com/office/powerpoint/2010/main" val="7126856"/>
+                <p14:modId xmlns:p14="http://schemas.microsoft.com/office/powerpoint/2010/main" val="1339913855"/>
               </p:ext>
             </p:extLst>
           </p:nvPr>
         </p:nvGraphicFramePr>
         <p:xfrm>
           <a:off x="444708" y="1079430"/>
-          <a:ext cx="11302584" cy="5120640"/>
+          <a:ext cx="11302584" cy="4754880"/>
         </p:xfrm>
         <a:graphic>
           <a:graphicData uri="http://schemas.openxmlformats.org/drawingml/2006/table">
@@ -9887,7 +9586,7 @@
                           <a:latin typeface="Arial" panose="020B0604020202020204" pitchFamily="34" charset="0"/>
                           <a:cs typeface="Arial" panose="020B0604020202020204" pitchFamily="34" charset="0"/>
                         </a:rPr>
-                        <a:t>About Seurat object as a class (slots, …)</a:t>
+                        <a:t>About Seurat object as a class</a:t>
                       </a:r>
                     </a:p>
                   </a:txBody>
@@ -10042,7 +9741,36 @@
                           <a:latin typeface="Arial" panose="020B0604020202020204" pitchFamily="34" charset="0"/>
                           <a:cs typeface="Arial" panose="020B0604020202020204" pitchFamily="34" charset="0"/>
                         </a:rPr>
-                        <a:t>Classification of low quality cells from single-cell RNA-seq data (Sarah A. </a:t>
+                        <a:t>Classification of low quality cells from single-cell RNA-seq data </a:t>
+                      </a:r>
+                    </a:p>
+                    <a:p>
+                      <a:pPr marL="0" marR="0" indent="0" algn="l" defTabSz="914400" rtl="0" eaLnBrk="1" fontAlgn="auto" latinLnBrk="0" hangingPunct="1">
+                        <a:lnSpc>
+                          <a:spcPct val="100000"/>
+                        </a:lnSpc>
+                        <a:spcBef>
+                          <a:spcPts val="0"/>
+                        </a:spcBef>
+                        <a:spcAft>
+                          <a:spcPts val="0"/>
+                        </a:spcAft>
+                        <a:buClrTx/>
+                        <a:buSzTx/>
+                        <a:buFontTx/>
+                        <a:buNone/>
+                        <a:tabLst/>
+                        <a:defRPr/>
+                      </a:pPr>
+                      <a:r>
+                        <a:rPr lang="en-US" sz="2400" b="1" dirty="0">
+                          <a:solidFill>
+                            <a:schemeClr val="tx1"/>
+                          </a:solidFill>
+                          <a:latin typeface="Arial" panose="020B0604020202020204" pitchFamily="34" charset="0"/>
+                          <a:cs typeface="Arial" panose="020B0604020202020204" pitchFamily="34" charset="0"/>
+                        </a:rPr>
+                        <a:t>(Sarah A. </a:t>
                       </a:r>
                       <a:r>
                         <a:rPr lang="en-US" sz="2400" b="1" dirty="0" err="1">
